--- a/OS materials 202/1.Introduction to OS (1).pptx
+++ b/OS materials 202/1.Introduction to OS (1).pptx
@@ -132,6 +132,88 @@
 </p:presentation>
 </file>
 
+<file path=ppt/revisionInfo.xml><?xml version="1.0" encoding="utf-8"?>
+<p1510:revInfo xmlns:a="http://schemas.openxmlformats.org/drawingml/2006/main" xmlns:r="http://schemas.openxmlformats.org/officeDocument/2006/relationships" xmlns:p1510="http://schemas.microsoft.com/office/powerpoint/2015/10/main">
+  <p1510:revLst>
+    <p1510:client id="{1AC0925A-CB96-C9B8-EF63-C8B010DAF03C}" v="5" dt="2024-03-11T08:56:25.029"/>
+  </p1510:revLst>
+</p1510:revInfo>
+</file>
+
+<file path=ppt/changesInfos/changesInfo1.xml><?xml version="1.0" encoding="utf-8"?>
+<pc:chgInfo xmlns:a="http://schemas.openxmlformats.org/drawingml/2006/main" xmlns:r="http://schemas.openxmlformats.org/officeDocument/2006/relationships" xmlns:ac="http://schemas.microsoft.com/office/drawing/2013/main/command" xmlns:pc="http://schemas.microsoft.com/office/powerpoint/2013/main/command">
+  <pc:docChgLst>
+    <pc:chgData name="ADITHYA KRISHNA S-[AM.EN.U4AIE22003]" userId="S::am.en.u4aie22003@am.students.amrita.edu::37515824-5721-49a0-9c20-b1eaaf9266ec" providerId="AD" clId="Web-{1AC0925A-CB96-C9B8-EF63-C8B010DAF03C}"/>
+    <pc:docChg chg="modSld">
+      <pc:chgData name="ADITHYA KRISHNA S-[AM.EN.U4AIE22003]" userId="S::am.en.u4aie22003@am.students.amrita.edu::37515824-5721-49a0-9c20-b1eaaf9266ec" providerId="AD" clId="Web-{1AC0925A-CB96-C9B8-EF63-C8B010DAF03C}" dt="2024-03-11T08:56:25.029" v="4" actId="14100"/>
+      <pc:docMkLst>
+        <pc:docMk/>
+      </pc:docMkLst>
+      <pc:sldChg chg="delSp">
+        <pc:chgData name="ADITHYA KRISHNA S-[AM.EN.U4AIE22003]" userId="S::am.en.u4aie22003@am.students.amrita.edu::37515824-5721-49a0-9c20-b1eaaf9266ec" providerId="AD" clId="Web-{1AC0925A-CB96-C9B8-EF63-C8B010DAF03C}" dt="2024-03-11T08:54:25.465" v="0"/>
+        <pc:sldMkLst>
+          <pc:docMk/>
+          <pc:sldMk cId="930123677" sldId="256"/>
+        </pc:sldMkLst>
+        <pc:spChg chg="del">
+          <ac:chgData name="ADITHYA KRISHNA S-[AM.EN.U4AIE22003]" userId="S::am.en.u4aie22003@am.students.amrita.edu::37515824-5721-49a0-9c20-b1eaaf9266ec" providerId="AD" clId="Web-{1AC0925A-CB96-C9B8-EF63-C8B010DAF03C}" dt="2024-03-11T08:54:25.465" v="0"/>
+          <ac:spMkLst>
+            <pc:docMk/>
+            <pc:sldMk cId="930123677" sldId="256"/>
+            <ac:spMk id="3" creationId="{00000000-0000-0000-0000-000000000000}"/>
+          </ac:spMkLst>
+        </pc:spChg>
+      </pc:sldChg>
+      <pc:sldChg chg="delSp">
+        <pc:chgData name="ADITHYA KRISHNA S-[AM.EN.U4AIE22003]" userId="S::am.en.u4aie22003@am.students.amrita.edu::37515824-5721-49a0-9c20-b1eaaf9266ec" providerId="AD" clId="Web-{1AC0925A-CB96-C9B8-EF63-C8B010DAF03C}" dt="2024-03-11T08:54:44.950" v="1"/>
+        <pc:sldMkLst>
+          <pc:docMk/>
+          <pc:sldMk cId="561066879" sldId="801"/>
+        </pc:sldMkLst>
+        <pc:spChg chg="del">
+          <ac:chgData name="ADITHYA KRISHNA S-[AM.EN.U4AIE22003]" userId="S::am.en.u4aie22003@am.students.amrita.edu::37515824-5721-49a0-9c20-b1eaaf9266ec" providerId="AD" clId="Web-{1AC0925A-CB96-C9B8-EF63-C8B010DAF03C}" dt="2024-03-11T08:54:44.950" v="1"/>
+          <ac:spMkLst>
+            <pc:docMk/>
+            <pc:sldMk cId="561066879" sldId="801"/>
+            <ac:spMk id="3" creationId="{CCBBB4D0-D7B1-842F-4A03-D71389802143}"/>
+          </ac:spMkLst>
+        </pc:spChg>
+      </pc:sldChg>
+      <pc:sldChg chg="delSp">
+        <pc:chgData name="ADITHYA KRISHNA S-[AM.EN.U4AIE22003]" userId="S::am.en.u4aie22003@am.students.amrita.edu::37515824-5721-49a0-9c20-b1eaaf9266ec" providerId="AD" clId="Web-{1AC0925A-CB96-C9B8-EF63-C8B010DAF03C}" dt="2024-03-11T08:56:11.201" v="2"/>
+        <pc:sldMkLst>
+          <pc:docMk/>
+          <pc:sldMk cId="3890692285" sldId="802"/>
+        </pc:sldMkLst>
+        <pc:spChg chg="del">
+          <ac:chgData name="ADITHYA KRISHNA S-[AM.EN.U4AIE22003]" userId="S::am.en.u4aie22003@am.students.amrita.edu::37515824-5721-49a0-9c20-b1eaaf9266ec" providerId="AD" clId="Web-{1AC0925A-CB96-C9B8-EF63-C8B010DAF03C}" dt="2024-03-11T08:56:11.201" v="2"/>
+          <ac:spMkLst>
+            <pc:docMk/>
+            <pc:sldMk cId="3890692285" sldId="802"/>
+            <ac:spMk id="3" creationId="{D1EB71D8-0D4B-1E8D-F5B4-5D3A62DB1007}"/>
+          </ac:spMkLst>
+        </pc:spChg>
+      </pc:sldChg>
+      <pc:sldChg chg="modSp">
+        <pc:chgData name="ADITHYA KRISHNA S-[AM.EN.U4AIE22003]" userId="S::am.en.u4aie22003@am.students.amrita.edu::37515824-5721-49a0-9c20-b1eaaf9266ec" providerId="AD" clId="Web-{1AC0925A-CB96-C9B8-EF63-C8B010DAF03C}" dt="2024-03-11T08:56:25.029" v="4" actId="14100"/>
+        <pc:sldMkLst>
+          <pc:docMk/>
+          <pc:sldMk cId="1842571342" sldId="803"/>
+        </pc:sldMkLst>
+        <pc:spChg chg="mod">
+          <ac:chgData name="ADITHYA KRISHNA S-[AM.EN.U4AIE22003]" userId="S::am.en.u4aie22003@am.students.amrita.edu::37515824-5721-49a0-9c20-b1eaaf9266ec" providerId="AD" clId="Web-{1AC0925A-CB96-C9B8-EF63-C8B010DAF03C}" dt="2024-03-11T08:56:25.029" v="4" actId="14100"/>
+          <ac:spMkLst>
+            <pc:docMk/>
+            <pc:sldMk cId="1842571342" sldId="803"/>
+            <ac:spMk id="3" creationId="{85A9A36F-49F6-5DD5-1785-997331634252}"/>
+          </ac:spMkLst>
+        </pc:spChg>
+      </pc:sldChg>
+    </pc:docChg>
+  </pc:docChgLst>
+</pc:chgInfo>
+</file>
+
 <file path=ppt/slideLayouts/slideLayout1.xml><?xml version="1.0" encoding="utf-8"?>
 <p:sldLayout xmlns:a="http://schemas.openxmlformats.org/drawingml/2006/main" xmlns:r="http://schemas.openxmlformats.org/officeDocument/2006/relationships" xmlns:p="http://schemas.openxmlformats.org/presentationml/2006/main" type="title" preserve="1">
   <p:cSld name="Title Slide">
@@ -271,7 +353,7 @@
           <a:p>
             <a:fld id="{2A8A1EF2-A1A6-44EB-ADAE-7FB5D8F88815}" type="datetimeFigureOut">
               <a:rPr lang="en-IN" smtClean="0"/>
-              <a:t>12-03-2023</a:t>
+              <a:t>11-03-2024</a:t>
             </a:fld>
             <a:endParaRPr lang="en-IN"/>
           </a:p>
@@ -482,7 +564,7 @@
           <a:p>
             <a:fld id="{2A8A1EF2-A1A6-44EB-ADAE-7FB5D8F88815}" type="datetimeFigureOut">
               <a:rPr lang="en-IN" smtClean="0"/>
-              <a:t>12-03-2023</a:t>
+              <a:t>11-03-2024</a:t>
             </a:fld>
             <a:endParaRPr lang="en-IN"/>
           </a:p>
@@ -697,7 +779,7 @@
           <a:p>
             <a:fld id="{2A8A1EF2-A1A6-44EB-ADAE-7FB5D8F88815}" type="datetimeFigureOut">
               <a:rPr lang="en-IN" smtClean="0"/>
-              <a:t>12-03-2023</a:t>
+              <a:t>11-03-2024</a:t>
             </a:fld>
             <a:endParaRPr lang="en-IN"/>
           </a:p>
@@ -898,7 +980,7 @@
           <a:p>
             <a:fld id="{2A8A1EF2-A1A6-44EB-ADAE-7FB5D8F88815}" type="datetimeFigureOut">
               <a:rPr lang="en-IN" smtClean="0"/>
-              <a:t>12-03-2023</a:t>
+              <a:t>11-03-2024</a:t>
             </a:fld>
             <a:endParaRPr lang="en-IN"/>
           </a:p>
@@ -1177,7 +1259,7 @@
           <a:p>
             <a:fld id="{2A8A1EF2-A1A6-44EB-ADAE-7FB5D8F88815}" type="datetimeFigureOut">
               <a:rPr lang="en-IN" smtClean="0"/>
-              <a:t>12-03-2023</a:t>
+              <a:t>11-03-2024</a:t>
             </a:fld>
             <a:endParaRPr lang="en-IN"/>
           </a:p>
@@ -1445,7 +1527,7 @@
           <a:p>
             <a:fld id="{2A8A1EF2-A1A6-44EB-ADAE-7FB5D8F88815}" type="datetimeFigureOut">
               <a:rPr lang="en-IN" smtClean="0"/>
-              <a:t>12-03-2023</a:t>
+              <a:t>11-03-2024</a:t>
             </a:fld>
             <a:endParaRPr lang="en-IN"/>
           </a:p>
@@ -1861,7 +1943,7 @@
           <a:p>
             <a:fld id="{2A8A1EF2-A1A6-44EB-ADAE-7FB5D8F88815}" type="datetimeFigureOut">
               <a:rPr lang="en-IN" smtClean="0"/>
-              <a:t>12-03-2023</a:t>
+              <a:t>11-03-2024</a:t>
             </a:fld>
             <a:endParaRPr lang="en-IN"/>
           </a:p>
@@ -2010,7 +2092,7 @@
           <a:p>
             <a:fld id="{2A8A1EF2-A1A6-44EB-ADAE-7FB5D8F88815}" type="datetimeFigureOut">
               <a:rPr lang="en-IN" smtClean="0"/>
-              <a:t>12-03-2023</a:t>
+              <a:t>11-03-2024</a:t>
             </a:fld>
             <a:endParaRPr lang="en-IN"/>
           </a:p>
@@ -2136,7 +2218,7 @@
           <a:p>
             <a:fld id="{2A8A1EF2-A1A6-44EB-ADAE-7FB5D8F88815}" type="datetimeFigureOut">
               <a:rPr lang="en-IN" smtClean="0"/>
-              <a:t>12-03-2023</a:t>
+              <a:t>11-03-2024</a:t>
             </a:fld>
             <a:endParaRPr lang="en-IN"/>
           </a:p>
@@ -2387,7 +2469,7 @@
           <a:p>
             <a:fld id="{2A8A1EF2-A1A6-44EB-ADAE-7FB5D8F88815}" type="datetimeFigureOut">
               <a:rPr lang="en-IN" smtClean="0"/>
-              <a:t>12-03-2023</a:t>
+              <a:t>11-03-2024</a:t>
             </a:fld>
             <a:endParaRPr lang="en-IN"/>
           </a:p>
@@ -2832,7 +2914,7 @@
           <a:p>
             <a:fld id="{2A8A1EF2-A1A6-44EB-ADAE-7FB5D8F88815}" type="datetimeFigureOut">
               <a:rPr lang="en-IN" smtClean="0"/>
-              <a:t>12-03-2023</a:t>
+              <a:t>11-03-2024</a:t>
             </a:fld>
             <a:endParaRPr lang="en-IN"/>
           </a:p>
@@ -3159,7 +3241,7 @@
           <a:p>
             <a:fld id="{2A8A1EF2-A1A6-44EB-ADAE-7FB5D8F88815}" type="datetimeFigureOut">
               <a:rPr lang="en-IN" smtClean="0"/>
-              <a:t>12-03-2023</a:t>
+              <a:t>11-03-2024</a:t>
             </a:fld>
             <a:endParaRPr lang="en-IN"/>
           </a:p>
@@ -3667,25 +3749,6 @@
           </a:p>
         </p:txBody>
       </p:sp>
-      <p:sp>
-        <p:nvSpPr>
-          <p:cNvPr id="3" name="Subtitle 2"/>
-          <p:cNvSpPr>
-            <a:spLocks noGrp="1"/>
-          </p:cNvSpPr>
-          <p:nvPr>
-            <p:ph type="subTitle" idx="1"/>
-          </p:nvPr>
-        </p:nvSpPr>
-        <p:spPr/>
-        <p:txBody>
-          <a:bodyPr/>
-          <a:lstStyle/>
-          <a:p>
-            <a:endParaRPr lang="en-IN"/>
-          </a:p>
-        </p:txBody>
-      </p:sp>
     </p:spTree>
     <p:extLst>
       <p:ext uri="{BB962C8B-B14F-4D97-AF65-F5344CB8AC3E}">
@@ -4158,31 +4221,6 @@
           </a:p>
         </p:txBody>
       </p:sp>
-      <p:sp>
-        <p:nvSpPr>
-          <p:cNvPr id="3" name="Content Placeholder 2">
-            <a:extLst>
-              <a:ext uri="{FF2B5EF4-FFF2-40B4-BE49-F238E27FC236}">
-                <a16:creationId xmlns:a16="http://schemas.microsoft.com/office/drawing/2014/main" id="{CCBBB4D0-D7B1-842F-4A03-D71389802143}"/>
-              </a:ext>
-            </a:extLst>
-          </p:cNvPr>
-          <p:cNvSpPr>
-            <a:spLocks noGrp="1"/>
-          </p:cNvSpPr>
-          <p:nvPr>
-            <p:ph idx="1"/>
-          </p:nvPr>
-        </p:nvSpPr>
-        <p:spPr/>
-        <p:txBody>
-          <a:bodyPr/>
-          <a:lstStyle/>
-          <a:p>
-            <a:endParaRPr lang="en-IN"/>
-          </a:p>
-        </p:txBody>
-      </p:sp>
       <p:pic>
         <p:nvPicPr>
           <p:cNvPr id="1026" name="Picture 2" descr="[]">
@@ -4589,31 +4627,6 @@
           </a:p>
         </p:txBody>
       </p:sp>
-      <p:sp>
-        <p:nvSpPr>
-          <p:cNvPr id="3" name="Content Placeholder 2">
-            <a:extLst>
-              <a:ext uri="{FF2B5EF4-FFF2-40B4-BE49-F238E27FC236}">
-                <a16:creationId xmlns:a16="http://schemas.microsoft.com/office/drawing/2014/main" id="{D1EB71D8-0D4B-1E8D-F5B4-5D3A62DB1007}"/>
-              </a:ext>
-            </a:extLst>
-          </p:cNvPr>
-          <p:cNvSpPr>
-            <a:spLocks noGrp="1"/>
-          </p:cNvSpPr>
-          <p:nvPr>
-            <p:ph idx="1"/>
-          </p:nvPr>
-        </p:nvSpPr>
-        <p:spPr/>
-        <p:txBody>
-          <a:bodyPr/>
-          <a:lstStyle/>
-          <a:p>
-            <a:endParaRPr lang="en-IN" dirty="0"/>
-          </a:p>
-        </p:txBody>
-      </p:sp>
       <p:pic>
         <p:nvPicPr>
           <p:cNvPr id="4" name="Picture 2" descr="communication device driver">
@@ -4755,8 +4768,8 @@
         </p:nvSpPr>
         <p:spPr>
           <a:xfrm>
-            <a:off x="1137147" y="1853752"/>
-            <a:ext cx="10636932" cy="4405645"/>
+            <a:off x="797178" y="1853752"/>
+            <a:ext cx="10976901" cy="4733891"/>
           </a:xfrm>
         </p:spPr>
         <p:txBody>
